--- a/lesson06.pptx
+++ b/lesson06.pptx
@@ -146,14 +146,6 @@
 </p:presentation>
 </file>
 
-<file path=ppt/revisionInfo.xml><?xml version="1.0" encoding="utf-8"?>
-<p1510:revInfo xmlns:a="http://schemas.openxmlformats.org/drawingml/2006/main" xmlns:r="http://schemas.openxmlformats.org/officeDocument/2006/relationships" xmlns:p1510="http://schemas.microsoft.com/office/powerpoint/2015/10/main">
-  <p1510:revLst>
-    <p1510:client id="{905722A7-4D61-422B-8DD7-87BCBD5319E9}" v="3" dt="2023-05-28T09:12:24.473"/>
-  </p1510:revLst>
-</p1510:revInfo>
-</file>
-
 <file path=ppt/changesInfos/changesInfo1.xml><?xml version="1.0" encoding="utf-8"?>
 <pc:chgInfo xmlns:a="http://schemas.openxmlformats.org/drawingml/2006/main" xmlns:r="http://schemas.openxmlformats.org/officeDocument/2006/relationships" xmlns:ac="http://schemas.microsoft.com/office/drawing/2013/main/command" xmlns:pc="http://schemas.microsoft.com/office/powerpoint/2013/main/command">
   <pc:docChgLst>
@@ -296,6 +288,435 @@
     </pc:docChg>
   </pc:docChgLst>
   <pc:docChgLst>
+    <pc:chgData name="Anatoliy Kigel" userId="7432c6c4687b0a9c" providerId="LiveId" clId="{8F1FDCB9-098F-4DE3-BE15-A662176DA672}"/>
+    <pc:docChg chg="undo custSel addSld delSld modSld sldOrd">
+      <pc:chgData name="Anatoliy Kigel" userId="7432c6c4687b0a9c" providerId="LiveId" clId="{8F1FDCB9-098F-4DE3-BE15-A662176DA672}" dt="2021-10-20T13:39:43.338" v="198" actId="47"/>
+      <pc:docMkLst>
+        <pc:docMk/>
+      </pc:docMkLst>
+      <pc:sldChg chg="add">
+        <pc:chgData name="Anatoliy Kigel" userId="7432c6c4687b0a9c" providerId="LiveId" clId="{8F1FDCB9-098F-4DE3-BE15-A662176DA672}" dt="2021-10-12T08:41:38.235" v="93"/>
+        <pc:sldMkLst>
+          <pc:docMk/>
+          <pc:sldMk cId="1023776530" sldId="362"/>
+        </pc:sldMkLst>
+      </pc:sldChg>
+      <pc:sldChg chg="modSp mod">
+        <pc:chgData name="Anatoliy Kigel" userId="7432c6c4687b0a9c" providerId="LiveId" clId="{8F1FDCB9-098F-4DE3-BE15-A662176DA672}" dt="2021-10-11T10:03:29.445" v="32" actId="20577"/>
+        <pc:sldMkLst>
+          <pc:docMk/>
+          <pc:sldMk cId="1329061896" sldId="396"/>
+        </pc:sldMkLst>
+        <pc:spChg chg="mod">
+          <ac:chgData name="Anatoliy Kigel" userId="7432c6c4687b0a9c" providerId="LiveId" clId="{8F1FDCB9-098F-4DE3-BE15-A662176DA672}" dt="2021-10-11T10:03:29.445" v="32" actId="20577"/>
+          <ac:spMkLst>
+            <pc:docMk/>
+            <pc:sldMk cId="1329061896" sldId="396"/>
+            <ac:spMk id="5" creationId="{00000000-0000-0000-0000-000000000000}"/>
+          </ac:spMkLst>
+        </pc:spChg>
+      </pc:sldChg>
+      <pc:sldChg chg="modSp mod">
+        <pc:chgData name="Anatoliy Kigel" userId="7432c6c4687b0a9c" providerId="LiveId" clId="{8F1FDCB9-098F-4DE3-BE15-A662176DA672}" dt="2021-10-11T10:04:04.432" v="44" actId="207"/>
+        <pc:sldMkLst>
+          <pc:docMk/>
+          <pc:sldMk cId="653578417" sldId="397"/>
+        </pc:sldMkLst>
+        <pc:spChg chg="mod">
+          <ac:chgData name="Anatoliy Kigel" userId="7432c6c4687b0a9c" providerId="LiveId" clId="{8F1FDCB9-098F-4DE3-BE15-A662176DA672}" dt="2021-10-11T10:03:39.266" v="36" actId="403"/>
+          <ac:spMkLst>
+            <pc:docMk/>
+            <pc:sldMk cId="653578417" sldId="397"/>
+            <ac:spMk id="7" creationId="{00000000-0000-0000-0000-000000000000}"/>
+          </ac:spMkLst>
+        </pc:spChg>
+        <pc:spChg chg="mod">
+          <ac:chgData name="Anatoliy Kigel" userId="7432c6c4687b0a9c" providerId="LiveId" clId="{8F1FDCB9-098F-4DE3-BE15-A662176DA672}" dt="2021-10-11T10:04:04.432" v="44" actId="207"/>
+          <ac:spMkLst>
+            <pc:docMk/>
+            <pc:sldMk cId="653578417" sldId="397"/>
+            <ac:spMk id="12" creationId="{00000000-0000-0000-0000-000000000000}"/>
+          </ac:spMkLst>
+        </pc:spChg>
+      </pc:sldChg>
+      <pc:sldChg chg="delSp modSp add mod">
+        <pc:chgData name="Anatoliy Kigel" userId="7432c6c4687b0a9c" providerId="LiveId" clId="{8F1FDCB9-098F-4DE3-BE15-A662176DA672}" dt="2021-10-12T08:52:45.479" v="185" actId="20577"/>
+        <pc:sldMkLst>
+          <pc:docMk/>
+          <pc:sldMk cId="3433583361" sldId="399"/>
+        </pc:sldMkLst>
+        <pc:spChg chg="mod">
+          <ac:chgData name="Anatoliy Kigel" userId="7432c6c4687b0a9c" providerId="LiveId" clId="{8F1FDCB9-098F-4DE3-BE15-A662176DA672}" dt="2021-10-12T08:52:45.479" v="185" actId="20577"/>
+          <ac:spMkLst>
+            <pc:docMk/>
+            <pc:sldMk cId="3433583361" sldId="399"/>
+            <ac:spMk id="6" creationId="{00000000-0000-0000-0000-000000000000}"/>
+          </ac:spMkLst>
+        </pc:spChg>
+        <pc:spChg chg="del mod">
+          <ac:chgData name="Anatoliy Kigel" userId="7432c6c4687b0a9c" providerId="LiveId" clId="{8F1FDCB9-098F-4DE3-BE15-A662176DA672}" dt="2021-10-12T08:52:01.934" v="149" actId="478"/>
+          <ac:spMkLst>
+            <pc:docMk/>
+            <pc:sldMk cId="3433583361" sldId="399"/>
+            <ac:spMk id="7" creationId="{00000000-0000-0000-0000-000000000000}"/>
+          </ac:spMkLst>
+        </pc:spChg>
+      </pc:sldChg>
+      <pc:sldChg chg="modSp add mod">
+        <pc:chgData name="Anatoliy Kigel" userId="7432c6c4687b0a9c" providerId="LiveId" clId="{8F1FDCB9-098F-4DE3-BE15-A662176DA672}" dt="2021-10-12T08:51:38.667" v="142" actId="20577"/>
+        <pc:sldMkLst>
+          <pc:docMk/>
+          <pc:sldMk cId="1104923429" sldId="424"/>
+        </pc:sldMkLst>
+        <pc:spChg chg="mod">
+          <ac:chgData name="Anatoliy Kigel" userId="7432c6c4687b0a9c" providerId="LiveId" clId="{8F1FDCB9-098F-4DE3-BE15-A662176DA672}" dt="2021-10-12T08:51:38.667" v="142" actId="20577"/>
+          <ac:spMkLst>
+            <pc:docMk/>
+            <pc:sldMk cId="1104923429" sldId="424"/>
+            <ac:spMk id="5" creationId="{00000000-0000-0000-0000-000000000000}"/>
+          </ac:spMkLst>
+        </pc:spChg>
+      </pc:sldChg>
+      <pc:sldChg chg="del">
+        <pc:chgData name="Anatoliy Kigel" userId="7432c6c4687b0a9c" providerId="LiveId" clId="{8F1FDCB9-098F-4DE3-BE15-A662176DA672}" dt="2021-10-11T10:05:34.974" v="45" actId="47"/>
+        <pc:sldMkLst>
+          <pc:docMk/>
+          <pc:sldMk cId="486339162" sldId="431"/>
+        </pc:sldMkLst>
+      </pc:sldChg>
+      <pc:sldChg chg="del">
+        <pc:chgData name="Anatoliy Kigel" userId="7432c6c4687b0a9c" providerId="LiveId" clId="{8F1FDCB9-098F-4DE3-BE15-A662176DA672}" dt="2021-10-11T10:05:34.974" v="45" actId="47"/>
+        <pc:sldMkLst>
+          <pc:docMk/>
+          <pc:sldMk cId="1548793034" sldId="432"/>
+        </pc:sldMkLst>
+      </pc:sldChg>
+      <pc:sldChg chg="del">
+        <pc:chgData name="Anatoliy Kigel" userId="7432c6c4687b0a9c" providerId="LiveId" clId="{8F1FDCB9-098F-4DE3-BE15-A662176DA672}" dt="2021-10-11T10:05:34.974" v="45" actId="47"/>
+        <pc:sldMkLst>
+          <pc:docMk/>
+          <pc:sldMk cId="3746723659" sldId="433"/>
+        </pc:sldMkLst>
+      </pc:sldChg>
+      <pc:sldChg chg="del">
+        <pc:chgData name="Anatoliy Kigel" userId="7432c6c4687b0a9c" providerId="LiveId" clId="{8F1FDCB9-098F-4DE3-BE15-A662176DA672}" dt="2021-10-11T10:05:34.974" v="45" actId="47"/>
+        <pc:sldMkLst>
+          <pc:docMk/>
+          <pc:sldMk cId="2585329170" sldId="440"/>
+        </pc:sldMkLst>
+      </pc:sldChg>
+      <pc:sldChg chg="del">
+        <pc:chgData name="Anatoliy Kigel" userId="7432c6c4687b0a9c" providerId="LiveId" clId="{8F1FDCB9-098F-4DE3-BE15-A662176DA672}" dt="2021-10-11T10:05:34.974" v="45" actId="47"/>
+        <pc:sldMkLst>
+          <pc:docMk/>
+          <pc:sldMk cId="894146141" sldId="441"/>
+        </pc:sldMkLst>
+      </pc:sldChg>
+      <pc:sldChg chg="del">
+        <pc:chgData name="Anatoliy Kigel" userId="7432c6c4687b0a9c" providerId="LiveId" clId="{8F1FDCB9-098F-4DE3-BE15-A662176DA672}" dt="2021-10-11T10:05:34.974" v="45" actId="47"/>
+        <pc:sldMkLst>
+          <pc:docMk/>
+          <pc:sldMk cId="1135077634" sldId="442"/>
+        </pc:sldMkLst>
+      </pc:sldChg>
+      <pc:sldChg chg="del">
+        <pc:chgData name="Anatoliy Kigel" userId="7432c6c4687b0a9c" providerId="LiveId" clId="{8F1FDCB9-098F-4DE3-BE15-A662176DA672}" dt="2021-10-11T10:05:34.974" v="45" actId="47"/>
+        <pc:sldMkLst>
+          <pc:docMk/>
+          <pc:sldMk cId="3044230651" sldId="443"/>
+        </pc:sldMkLst>
+      </pc:sldChg>
+      <pc:sldChg chg="del">
+        <pc:chgData name="Anatoliy Kigel" userId="7432c6c4687b0a9c" providerId="LiveId" clId="{8F1FDCB9-098F-4DE3-BE15-A662176DA672}" dt="2021-10-11T10:05:34.974" v="45" actId="47"/>
+        <pc:sldMkLst>
+          <pc:docMk/>
+          <pc:sldMk cId="1472899663" sldId="445"/>
+        </pc:sldMkLst>
+      </pc:sldChg>
+      <pc:sldChg chg="modSp mod">
+        <pc:chgData name="Anatoliy Kigel" userId="7432c6c4687b0a9c" providerId="LiveId" clId="{8F1FDCB9-098F-4DE3-BE15-A662176DA672}" dt="2021-10-12T08:51:31.842" v="132" actId="20577"/>
+        <pc:sldMkLst>
+          <pc:docMk/>
+          <pc:sldMk cId="899785685" sldId="474"/>
+        </pc:sldMkLst>
+        <pc:spChg chg="mod">
+          <ac:chgData name="Anatoliy Kigel" userId="7432c6c4687b0a9c" providerId="LiveId" clId="{8F1FDCB9-098F-4DE3-BE15-A662176DA672}" dt="2021-10-12T08:51:31.842" v="132" actId="20577"/>
+          <ac:spMkLst>
+            <pc:docMk/>
+            <pc:sldMk cId="899785685" sldId="474"/>
+            <ac:spMk id="5" creationId="{00000000-0000-0000-0000-000000000000}"/>
+          </ac:spMkLst>
+        </pc:spChg>
+      </pc:sldChg>
+      <pc:sldChg chg="addSp delSp mod">
+        <pc:chgData name="Anatoliy Kigel" userId="7432c6c4687b0a9c" providerId="LiveId" clId="{8F1FDCB9-098F-4DE3-BE15-A662176DA672}" dt="2021-10-12T08:41:18.868" v="92" actId="22"/>
+        <pc:sldMkLst>
+          <pc:docMk/>
+          <pc:sldMk cId="316371881" sldId="476"/>
+        </pc:sldMkLst>
+        <pc:picChg chg="add del">
+          <ac:chgData name="Anatoliy Kigel" userId="7432c6c4687b0a9c" providerId="LiveId" clId="{8F1FDCB9-098F-4DE3-BE15-A662176DA672}" dt="2021-10-12T08:41:18.868" v="92" actId="22"/>
+          <ac:picMkLst>
+            <pc:docMk/>
+            <pc:sldMk cId="316371881" sldId="476"/>
+            <ac:picMk id="4" creationId="{8C66BA34-BFA7-43CB-9480-8D3994509325}"/>
+          </ac:picMkLst>
+        </pc:picChg>
+      </pc:sldChg>
+      <pc:sldChg chg="modSp mod">
+        <pc:chgData name="Anatoliy Kigel" userId="7432c6c4687b0a9c" providerId="LiveId" clId="{8F1FDCB9-098F-4DE3-BE15-A662176DA672}" dt="2021-10-11T10:02:36.080" v="23" actId="20577"/>
+        <pc:sldMkLst>
+          <pc:docMk/>
+          <pc:sldMk cId="2229591171" sldId="496"/>
+        </pc:sldMkLst>
+        <pc:spChg chg="mod">
+          <ac:chgData name="Anatoliy Kigel" userId="7432c6c4687b0a9c" providerId="LiveId" clId="{8F1FDCB9-098F-4DE3-BE15-A662176DA672}" dt="2021-10-11T10:02:36.080" v="23" actId="20577"/>
+          <ac:spMkLst>
+            <pc:docMk/>
+            <pc:sldMk cId="2229591171" sldId="496"/>
+            <ac:spMk id="9" creationId="{00000000-0000-0000-0000-000000000000}"/>
+          </ac:spMkLst>
+        </pc:spChg>
+      </pc:sldChg>
+      <pc:sldChg chg="modSp mod">
+        <pc:chgData name="Anatoliy Kigel" userId="7432c6c4687b0a9c" providerId="LiveId" clId="{8F1FDCB9-098F-4DE3-BE15-A662176DA672}" dt="2021-10-12T08:51:25.590" v="130" actId="20577"/>
+        <pc:sldMkLst>
+          <pc:docMk/>
+          <pc:sldMk cId="2495425632" sldId="498"/>
+        </pc:sldMkLst>
+        <pc:spChg chg="mod">
+          <ac:chgData name="Anatoliy Kigel" userId="7432c6c4687b0a9c" providerId="LiveId" clId="{8F1FDCB9-098F-4DE3-BE15-A662176DA672}" dt="2021-10-12T08:51:25.590" v="130" actId="20577"/>
+          <ac:spMkLst>
+            <pc:docMk/>
+            <pc:sldMk cId="2495425632" sldId="498"/>
+            <ac:spMk id="5" creationId="{00000000-0000-0000-0000-000000000000}"/>
+          </ac:spMkLst>
+        </pc:spChg>
+      </pc:sldChg>
+      <pc:sldChg chg="add del">
+        <pc:chgData name="Anatoliy Kigel" userId="7432c6c4687b0a9c" providerId="LiveId" clId="{8F1FDCB9-098F-4DE3-BE15-A662176DA672}" dt="2021-10-11T10:03:13.247" v="26" actId="2696"/>
+        <pc:sldMkLst>
+          <pc:docMk/>
+          <pc:sldMk cId="223048596" sldId="503"/>
+        </pc:sldMkLst>
+      </pc:sldChg>
+      <pc:sldChg chg="add">
+        <pc:chgData name="Anatoliy Kigel" userId="7432c6c4687b0a9c" providerId="LiveId" clId="{8F1FDCB9-098F-4DE3-BE15-A662176DA672}" dt="2021-10-11T10:03:17.187" v="27"/>
+        <pc:sldMkLst>
+          <pc:docMk/>
+          <pc:sldMk cId="1320399867" sldId="503"/>
+        </pc:sldMkLst>
+      </pc:sldChg>
+      <pc:sldChg chg="add del">
+        <pc:chgData name="Anatoliy Kigel" userId="7432c6c4687b0a9c" providerId="LiveId" clId="{8F1FDCB9-098F-4DE3-BE15-A662176DA672}" dt="2021-10-11T10:03:13.247" v="26" actId="2696"/>
+        <pc:sldMkLst>
+          <pc:docMk/>
+          <pc:sldMk cId="202286017" sldId="504"/>
+        </pc:sldMkLst>
+      </pc:sldChg>
+      <pc:sldChg chg="add">
+        <pc:chgData name="Anatoliy Kigel" userId="7432c6c4687b0a9c" providerId="LiveId" clId="{8F1FDCB9-098F-4DE3-BE15-A662176DA672}" dt="2021-10-11T10:03:17.187" v="27"/>
+        <pc:sldMkLst>
+          <pc:docMk/>
+          <pc:sldMk cId="4143157552" sldId="504"/>
+        </pc:sldMkLst>
+      </pc:sldChg>
+      <pc:sldChg chg="add del">
+        <pc:chgData name="Anatoliy Kigel" userId="7432c6c4687b0a9c" providerId="LiveId" clId="{8F1FDCB9-098F-4DE3-BE15-A662176DA672}" dt="2021-10-11T10:03:13.247" v="26" actId="2696"/>
+        <pc:sldMkLst>
+          <pc:docMk/>
+          <pc:sldMk cId="1381425848" sldId="505"/>
+        </pc:sldMkLst>
+      </pc:sldChg>
+      <pc:sldChg chg="add">
+        <pc:chgData name="Anatoliy Kigel" userId="7432c6c4687b0a9c" providerId="LiveId" clId="{8F1FDCB9-098F-4DE3-BE15-A662176DA672}" dt="2021-10-11T10:03:17.187" v="27"/>
+        <pc:sldMkLst>
+          <pc:docMk/>
+          <pc:sldMk cId="2257415676" sldId="505"/>
+        </pc:sldMkLst>
+      </pc:sldChg>
+      <pc:sldChg chg="add del">
+        <pc:chgData name="Anatoliy Kigel" userId="7432c6c4687b0a9c" providerId="LiveId" clId="{8F1FDCB9-098F-4DE3-BE15-A662176DA672}" dt="2021-10-20T13:39:43.338" v="198" actId="47"/>
+        <pc:sldMkLst>
+          <pc:docMk/>
+          <pc:sldMk cId="1262371164" sldId="506"/>
+        </pc:sldMkLst>
+      </pc:sldChg>
+      <pc:sldChg chg="del">
+        <pc:chgData name="Anatoliy Kigel" userId="7432c6c4687b0a9c" providerId="LiveId" clId="{8F1FDCB9-098F-4DE3-BE15-A662176DA672}" dt="2021-10-11T10:03:13.247" v="26" actId="2696"/>
+        <pc:sldMkLst>
+          <pc:docMk/>
+          <pc:sldMk cId="3509013144" sldId="506"/>
+        </pc:sldMkLst>
+      </pc:sldChg>
+      <pc:sldChg chg="add del">
+        <pc:chgData name="Anatoliy Kigel" userId="7432c6c4687b0a9c" providerId="LiveId" clId="{8F1FDCB9-098F-4DE3-BE15-A662176DA672}" dt="2021-10-20T13:39:43.338" v="198" actId="47"/>
+        <pc:sldMkLst>
+          <pc:docMk/>
+          <pc:sldMk cId="1510695199" sldId="507"/>
+        </pc:sldMkLst>
+      </pc:sldChg>
+      <pc:sldChg chg="del">
+        <pc:chgData name="Anatoliy Kigel" userId="7432c6c4687b0a9c" providerId="LiveId" clId="{8F1FDCB9-098F-4DE3-BE15-A662176DA672}" dt="2021-10-11T10:03:13.247" v="26" actId="2696"/>
+        <pc:sldMkLst>
+          <pc:docMk/>
+          <pc:sldMk cId="1667631082" sldId="507"/>
+        </pc:sldMkLst>
+      </pc:sldChg>
+      <pc:sldChg chg="modSp mod">
+        <pc:chgData name="Anatoliy Kigel" userId="7432c6c4687b0a9c" providerId="LiveId" clId="{8F1FDCB9-098F-4DE3-BE15-A662176DA672}" dt="2021-10-12T08:51:29.019" v="131" actId="20577"/>
+        <pc:sldMkLst>
+          <pc:docMk/>
+          <pc:sldMk cId="114327094" sldId="513"/>
+        </pc:sldMkLst>
+        <pc:spChg chg="mod">
+          <ac:chgData name="Anatoliy Kigel" userId="7432c6c4687b0a9c" providerId="LiveId" clId="{8F1FDCB9-098F-4DE3-BE15-A662176DA672}" dt="2021-10-12T08:51:29.019" v="131" actId="20577"/>
+          <ac:spMkLst>
+            <pc:docMk/>
+            <pc:sldMk cId="114327094" sldId="513"/>
+            <ac:spMk id="5" creationId="{00000000-0000-0000-0000-000000000000}"/>
+          </ac:spMkLst>
+        </pc:spChg>
+      </pc:sldChg>
+      <pc:sldChg chg="del">
+        <pc:chgData name="Anatoliy Kigel" userId="7432c6c4687b0a9c" providerId="LiveId" clId="{8F1FDCB9-098F-4DE3-BE15-A662176DA672}" dt="2021-10-12T08:48:54.877" v="98" actId="47"/>
+        <pc:sldMkLst>
+          <pc:docMk/>
+          <pc:sldMk cId="388518476" sldId="523"/>
+        </pc:sldMkLst>
+      </pc:sldChg>
+      <pc:sldChg chg="del">
+        <pc:chgData name="Anatoliy Kigel" userId="7432c6c4687b0a9c" providerId="LiveId" clId="{8F1FDCB9-098F-4DE3-BE15-A662176DA672}" dt="2021-10-12T08:48:54.877" v="98" actId="47"/>
+        <pc:sldMkLst>
+          <pc:docMk/>
+          <pc:sldMk cId="3111026985" sldId="524"/>
+        </pc:sldMkLst>
+      </pc:sldChg>
+      <pc:sldChg chg="delSp modSp mod ord">
+        <pc:chgData name="Anatoliy Kigel" userId="7432c6c4687b0a9c" providerId="LiveId" clId="{8F1FDCB9-098F-4DE3-BE15-A662176DA672}" dt="2021-10-12T08:53:24.116" v="197" actId="1035"/>
+        <pc:sldMkLst>
+          <pc:docMk/>
+          <pc:sldMk cId="4023351221" sldId="527"/>
+        </pc:sldMkLst>
+        <pc:spChg chg="mod">
+          <ac:chgData name="Anatoliy Kigel" userId="7432c6c4687b0a9c" providerId="LiveId" clId="{8F1FDCB9-098F-4DE3-BE15-A662176DA672}" dt="2021-10-12T08:53:24.116" v="197" actId="1035"/>
+          <ac:spMkLst>
+            <pc:docMk/>
+            <pc:sldMk cId="4023351221" sldId="527"/>
+            <ac:spMk id="3" creationId="{00000000-0000-0000-0000-000000000000}"/>
+          </ac:spMkLst>
+        </pc:spChg>
+        <pc:spChg chg="del">
+          <ac:chgData name="Anatoliy Kigel" userId="7432c6c4687b0a9c" providerId="LiveId" clId="{8F1FDCB9-098F-4DE3-BE15-A662176DA672}" dt="2021-10-12T08:36:59.115" v="74" actId="478"/>
+          <ac:spMkLst>
+            <pc:docMk/>
+            <pc:sldMk cId="4023351221" sldId="527"/>
+            <ac:spMk id="7" creationId="{00000000-0000-0000-0000-000000000000}"/>
+          </ac:spMkLst>
+        </pc:spChg>
+        <pc:spChg chg="mod">
+          <ac:chgData name="Anatoliy Kigel" userId="7432c6c4687b0a9c" providerId="LiveId" clId="{8F1FDCB9-098F-4DE3-BE15-A662176DA672}" dt="2021-10-12T08:37:35.927" v="87" actId="1076"/>
+          <ac:spMkLst>
+            <pc:docMk/>
+            <pc:sldMk cId="4023351221" sldId="527"/>
+            <ac:spMk id="8" creationId="{00000000-0000-0000-0000-000000000000}"/>
+          </ac:spMkLst>
+        </pc:spChg>
+        <pc:spChg chg="mod">
+          <ac:chgData name="Anatoliy Kigel" userId="7432c6c4687b0a9c" providerId="LiveId" clId="{8F1FDCB9-098F-4DE3-BE15-A662176DA672}" dt="2021-10-12T08:53:16.066" v="193" actId="1035"/>
+          <ac:spMkLst>
+            <pc:docMk/>
+            <pc:sldMk cId="4023351221" sldId="527"/>
+            <ac:spMk id="27" creationId="{00000000-0000-0000-0000-000000000000}"/>
+          </ac:spMkLst>
+        </pc:spChg>
+        <pc:picChg chg="mod">
+          <ac:chgData name="Anatoliy Kigel" userId="7432c6c4687b0a9c" providerId="LiveId" clId="{8F1FDCB9-098F-4DE3-BE15-A662176DA672}" dt="2021-10-12T08:37:33.681" v="86" actId="1076"/>
+          <ac:picMkLst>
+            <pc:docMk/>
+            <pc:sldMk cId="4023351221" sldId="527"/>
+            <ac:picMk id="2050" creationId="{00000000-0000-0000-0000-000000000000}"/>
+          </ac:picMkLst>
+        </pc:picChg>
+      </pc:sldChg>
+      <pc:sldChg chg="modSp del mod">
+        <pc:chgData name="Anatoliy Kigel" userId="7432c6c4687b0a9c" providerId="LiveId" clId="{8F1FDCB9-098F-4DE3-BE15-A662176DA672}" dt="2021-10-12T08:41:55.429" v="96" actId="47"/>
+        <pc:sldMkLst>
+          <pc:docMk/>
+          <pc:sldMk cId="1506378298" sldId="528"/>
+        </pc:sldMkLst>
+        <pc:spChg chg="mod">
+          <ac:chgData name="Anatoliy Kigel" userId="7432c6c4687b0a9c" providerId="LiveId" clId="{8F1FDCB9-098F-4DE3-BE15-A662176DA672}" dt="2021-10-11T10:05:56.277" v="46" actId="20577"/>
+          <ac:spMkLst>
+            <pc:docMk/>
+            <pc:sldMk cId="1506378298" sldId="528"/>
+            <ac:spMk id="3" creationId="{00000000-0000-0000-0000-000000000000}"/>
+          </ac:spMkLst>
+        </pc:spChg>
+      </pc:sldChg>
+      <pc:sldChg chg="modSp add mod">
+        <pc:chgData name="Anatoliy Kigel" userId="7432c6c4687b0a9c" providerId="LiveId" clId="{8F1FDCB9-098F-4DE3-BE15-A662176DA672}" dt="2021-10-11T10:03:21.002" v="28" actId="20577"/>
+        <pc:sldMkLst>
+          <pc:docMk/>
+          <pc:sldMk cId="508589481" sldId="530"/>
+        </pc:sldMkLst>
+        <pc:spChg chg="mod">
+          <ac:chgData name="Anatoliy Kigel" userId="7432c6c4687b0a9c" providerId="LiveId" clId="{8F1FDCB9-098F-4DE3-BE15-A662176DA672}" dt="2021-10-11T10:03:21.002" v="28" actId="20577"/>
+          <ac:spMkLst>
+            <pc:docMk/>
+            <pc:sldMk cId="508589481" sldId="530"/>
+            <ac:spMk id="5" creationId="{00000000-0000-0000-0000-000000000000}"/>
+          </ac:spMkLst>
+        </pc:spChg>
+      </pc:sldChg>
+      <pc:sldChg chg="del">
+        <pc:chgData name="Anatoliy Kigel" userId="7432c6c4687b0a9c" providerId="LiveId" clId="{8F1FDCB9-098F-4DE3-BE15-A662176DA672}" dt="2021-10-11T10:03:13.247" v="26" actId="2696"/>
+        <pc:sldMkLst>
+          <pc:docMk/>
+          <pc:sldMk cId="665538273" sldId="530"/>
+        </pc:sldMkLst>
+      </pc:sldChg>
+      <pc:sldChg chg="delSp modSp add mod">
+        <pc:chgData name="Anatoliy Kigel" userId="7432c6c4687b0a9c" providerId="LiveId" clId="{8F1FDCB9-098F-4DE3-BE15-A662176DA672}" dt="2021-10-12T08:51:50.682" v="146" actId="1036"/>
+        <pc:sldMkLst>
+          <pc:docMk/>
+          <pc:sldMk cId="1460045381" sldId="559"/>
+        </pc:sldMkLst>
+        <pc:spChg chg="mod">
+          <ac:chgData name="Anatoliy Kigel" userId="7432c6c4687b0a9c" providerId="LiveId" clId="{8F1FDCB9-098F-4DE3-BE15-A662176DA672}" dt="2021-10-12T08:51:48.477" v="143" actId="1036"/>
+          <ac:spMkLst>
+            <pc:docMk/>
+            <pc:sldMk cId="1460045381" sldId="559"/>
+            <ac:spMk id="3" creationId="{00000000-0000-0000-0000-000000000000}"/>
+          </ac:spMkLst>
+        </pc:spChg>
+        <pc:spChg chg="del mod">
+          <ac:chgData name="Anatoliy Kigel" userId="7432c6c4687b0a9c" providerId="LiveId" clId="{8F1FDCB9-098F-4DE3-BE15-A662176DA672}" dt="2021-10-12T08:49:05.407" v="128"/>
+          <ac:spMkLst>
+            <pc:docMk/>
+            <pc:sldMk cId="1460045381" sldId="559"/>
+            <ac:spMk id="4" creationId="{00000000-0000-0000-0000-000000000000}"/>
+          </ac:spMkLst>
+        </pc:spChg>
+        <pc:spChg chg="mod">
+          <ac:chgData name="Anatoliy Kigel" userId="7432c6c4687b0a9c" providerId="LiveId" clId="{8F1FDCB9-098F-4DE3-BE15-A662176DA672}" dt="2021-10-12T08:51:50.682" v="146" actId="1036"/>
+          <ac:spMkLst>
+            <pc:docMk/>
+            <pc:sldMk cId="1460045381" sldId="559"/>
+            <ac:spMk id="5" creationId="{00000000-0000-0000-0000-000000000000}"/>
+          </ac:spMkLst>
+        </pc:spChg>
+      </pc:sldChg>
+      <pc:sldChg chg="add">
+        <pc:chgData name="Anatoliy Kigel" userId="7432c6c4687b0a9c" providerId="LiveId" clId="{8F1FDCB9-098F-4DE3-BE15-A662176DA672}" dt="2021-10-12T08:48:52.744" v="97"/>
+        <pc:sldMkLst>
+          <pc:docMk/>
+          <pc:sldMk cId="81633327" sldId="564"/>
+        </pc:sldMkLst>
+      </pc:sldChg>
+    </pc:docChg>
+  </pc:docChgLst>
+  <pc:docChgLst>
     <pc:chgData name="Anatoliy Kigel" userId="7432c6c4687b0a9c" providerId="LiveId" clId="{10D481EC-89B5-4893-9203-A2DBFE33F9CF}"/>
     <pc:docChg chg="modSld">
       <pc:chgData name="Anatoliy Kigel" userId="7432c6c4687b0a9c" providerId="LiveId" clId="{10D481EC-89B5-4893-9203-A2DBFE33F9CF}" dt="2021-03-02T08:41:01.921" v="5"/>
@@ -361,435 +782,6 @@
             <ac:spMk id="6" creationId="{401FAB0E-8148-42A5-93A4-F44DA5AC654C}"/>
           </ac:spMkLst>
         </pc:spChg>
-      </pc:sldChg>
-    </pc:docChg>
-  </pc:docChgLst>
-  <pc:docChgLst>
-    <pc:chgData name="Anatoliy Kigel" userId="7432c6c4687b0a9c" providerId="LiveId" clId="{8F1FDCB9-098F-4DE3-BE15-A662176DA672}"/>
-    <pc:docChg chg="undo custSel addSld delSld modSld sldOrd">
-      <pc:chgData name="Anatoliy Kigel" userId="7432c6c4687b0a9c" providerId="LiveId" clId="{8F1FDCB9-098F-4DE3-BE15-A662176DA672}" dt="2021-10-20T13:39:43.338" v="198" actId="47"/>
-      <pc:docMkLst>
-        <pc:docMk/>
-      </pc:docMkLst>
-      <pc:sldChg chg="add">
-        <pc:chgData name="Anatoliy Kigel" userId="7432c6c4687b0a9c" providerId="LiveId" clId="{8F1FDCB9-098F-4DE3-BE15-A662176DA672}" dt="2021-10-12T08:41:38.235" v="93"/>
-        <pc:sldMkLst>
-          <pc:docMk/>
-          <pc:sldMk cId="1023776530" sldId="362"/>
-        </pc:sldMkLst>
-      </pc:sldChg>
-      <pc:sldChg chg="modSp mod">
-        <pc:chgData name="Anatoliy Kigel" userId="7432c6c4687b0a9c" providerId="LiveId" clId="{8F1FDCB9-098F-4DE3-BE15-A662176DA672}" dt="2021-10-11T10:03:29.445" v="32" actId="20577"/>
-        <pc:sldMkLst>
-          <pc:docMk/>
-          <pc:sldMk cId="1329061896" sldId="396"/>
-        </pc:sldMkLst>
-        <pc:spChg chg="mod">
-          <ac:chgData name="Anatoliy Kigel" userId="7432c6c4687b0a9c" providerId="LiveId" clId="{8F1FDCB9-098F-4DE3-BE15-A662176DA672}" dt="2021-10-11T10:03:29.445" v="32" actId="20577"/>
-          <ac:spMkLst>
-            <pc:docMk/>
-            <pc:sldMk cId="1329061896" sldId="396"/>
-            <ac:spMk id="5" creationId="{00000000-0000-0000-0000-000000000000}"/>
-          </ac:spMkLst>
-        </pc:spChg>
-      </pc:sldChg>
-      <pc:sldChg chg="modSp mod">
-        <pc:chgData name="Anatoliy Kigel" userId="7432c6c4687b0a9c" providerId="LiveId" clId="{8F1FDCB9-098F-4DE3-BE15-A662176DA672}" dt="2021-10-11T10:04:04.432" v="44" actId="207"/>
-        <pc:sldMkLst>
-          <pc:docMk/>
-          <pc:sldMk cId="653578417" sldId="397"/>
-        </pc:sldMkLst>
-        <pc:spChg chg="mod">
-          <ac:chgData name="Anatoliy Kigel" userId="7432c6c4687b0a9c" providerId="LiveId" clId="{8F1FDCB9-098F-4DE3-BE15-A662176DA672}" dt="2021-10-11T10:03:39.266" v="36" actId="403"/>
-          <ac:spMkLst>
-            <pc:docMk/>
-            <pc:sldMk cId="653578417" sldId="397"/>
-            <ac:spMk id="7" creationId="{00000000-0000-0000-0000-000000000000}"/>
-          </ac:spMkLst>
-        </pc:spChg>
-        <pc:spChg chg="mod">
-          <ac:chgData name="Anatoliy Kigel" userId="7432c6c4687b0a9c" providerId="LiveId" clId="{8F1FDCB9-098F-4DE3-BE15-A662176DA672}" dt="2021-10-11T10:04:04.432" v="44" actId="207"/>
-          <ac:spMkLst>
-            <pc:docMk/>
-            <pc:sldMk cId="653578417" sldId="397"/>
-            <ac:spMk id="12" creationId="{00000000-0000-0000-0000-000000000000}"/>
-          </ac:spMkLst>
-        </pc:spChg>
-      </pc:sldChg>
-      <pc:sldChg chg="delSp modSp add mod">
-        <pc:chgData name="Anatoliy Kigel" userId="7432c6c4687b0a9c" providerId="LiveId" clId="{8F1FDCB9-098F-4DE3-BE15-A662176DA672}" dt="2021-10-12T08:52:45.479" v="185" actId="20577"/>
-        <pc:sldMkLst>
-          <pc:docMk/>
-          <pc:sldMk cId="3433583361" sldId="399"/>
-        </pc:sldMkLst>
-        <pc:spChg chg="mod">
-          <ac:chgData name="Anatoliy Kigel" userId="7432c6c4687b0a9c" providerId="LiveId" clId="{8F1FDCB9-098F-4DE3-BE15-A662176DA672}" dt="2021-10-12T08:52:45.479" v="185" actId="20577"/>
-          <ac:spMkLst>
-            <pc:docMk/>
-            <pc:sldMk cId="3433583361" sldId="399"/>
-            <ac:spMk id="6" creationId="{00000000-0000-0000-0000-000000000000}"/>
-          </ac:spMkLst>
-        </pc:spChg>
-        <pc:spChg chg="del mod">
-          <ac:chgData name="Anatoliy Kigel" userId="7432c6c4687b0a9c" providerId="LiveId" clId="{8F1FDCB9-098F-4DE3-BE15-A662176DA672}" dt="2021-10-12T08:52:01.934" v="149" actId="478"/>
-          <ac:spMkLst>
-            <pc:docMk/>
-            <pc:sldMk cId="3433583361" sldId="399"/>
-            <ac:spMk id="7" creationId="{00000000-0000-0000-0000-000000000000}"/>
-          </ac:spMkLst>
-        </pc:spChg>
-      </pc:sldChg>
-      <pc:sldChg chg="modSp add mod">
-        <pc:chgData name="Anatoliy Kigel" userId="7432c6c4687b0a9c" providerId="LiveId" clId="{8F1FDCB9-098F-4DE3-BE15-A662176DA672}" dt="2021-10-12T08:51:38.667" v="142" actId="20577"/>
-        <pc:sldMkLst>
-          <pc:docMk/>
-          <pc:sldMk cId="1104923429" sldId="424"/>
-        </pc:sldMkLst>
-        <pc:spChg chg="mod">
-          <ac:chgData name="Anatoliy Kigel" userId="7432c6c4687b0a9c" providerId="LiveId" clId="{8F1FDCB9-098F-4DE3-BE15-A662176DA672}" dt="2021-10-12T08:51:38.667" v="142" actId="20577"/>
-          <ac:spMkLst>
-            <pc:docMk/>
-            <pc:sldMk cId="1104923429" sldId="424"/>
-            <ac:spMk id="5" creationId="{00000000-0000-0000-0000-000000000000}"/>
-          </ac:spMkLst>
-        </pc:spChg>
-      </pc:sldChg>
-      <pc:sldChg chg="del">
-        <pc:chgData name="Anatoliy Kigel" userId="7432c6c4687b0a9c" providerId="LiveId" clId="{8F1FDCB9-098F-4DE3-BE15-A662176DA672}" dt="2021-10-11T10:05:34.974" v="45" actId="47"/>
-        <pc:sldMkLst>
-          <pc:docMk/>
-          <pc:sldMk cId="486339162" sldId="431"/>
-        </pc:sldMkLst>
-      </pc:sldChg>
-      <pc:sldChg chg="del">
-        <pc:chgData name="Anatoliy Kigel" userId="7432c6c4687b0a9c" providerId="LiveId" clId="{8F1FDCB9-098F-4DE3-BE15-A662176DA672}" dt="2021-10-11T10:05:34.974" v="45" actId="47"/>
-        <pc:sldMkLst>
-          <pc:docMk/>
-          <pc:sldMk cId="1548793034" sldId="432"/>
-        </pc:sldMkLst>
-      </pc:sldChg>
-      <pc:sldChg chg="del">
-        <pc:chgData name="Anatoliy Kigel" userId="7432c6c4687b0a9c" providerId="LiveId" clId="{8F1FDCB9-098F-4DE3-BE15-A662176DA672}" dt="2021-10-11T10:05:34.974" v="45" actId="47"/>
-        <pc:sldMkLst>
-          <pc:docMk/>
-          <pc:sldMk cId="3746723659" sldId="433"/>
-        </pc:sldMkLst>
-      </pc:sldChg>
-      <pc:sldChg chg="del">
-        <pc:chgData name="Anatoliy Kigel" userId="7432c6c4687b0a9c" providerId="LiveId" clId="{8F1FDCB9-098F-4DE3-BE15-A662176DA672}" dt="2021-10-11T10:05:34.974" v="45" actId="47"/>
-        <pc:sldMkLst>
-          <pc:docMk/>
-          <pc:sldMk cId="2585329170" sldId="440"/>
-        </pc:sldMkLst>
-      </pc:sldChg>
-      <pc:sldChg chg="del">
-        <pc:chgData name="Anatoliy Kigel" userId="7432c6c4687b0a9c" providerId="LiveId" clId="{8F1FDCB9-098F-4DE3-BE15-A662176DA672}" dt="2021-10-11T10:05:34.974" v="45" actId="47"/>
-        <pc:sldMkLst>
-          <pc:docMk/>
-          <pc:sldMk cId="894146141" sldId="441"/>
-        </pc:sldMkLst>
-      </pc:sldChg>
-      <pc:sldChg chg="del">
-        <pc:chgData name="Anatoliy Kigel" userId="7432c6c4687b0a9c" providerId="LiveId" clId="{8F1FDCB9-098F-4DE3-BE15-A662176DA672}" dt="2021-10-11T10:05:34.974" v="45" actId="47"/>
-        <pc:sldMkLst>
-          <pc:docMk/>
-          <pc:sldMk cId="1135077634" sldId="442"/>
-        </pc:sldMkLst>
-      </pc:sldChg>
-      <pc:sldChg chg="del">
-        <pc:chgData name="Anatoliy Kigel" userId="7432c6c4687b0a9c" providerId="LiveId" clId="{8F1FDCB9-098F-4DE3-BE15-A662176DA672}" dt="2021-10-11T10:05:34.974" v="45" actId="47"/>
-        <pc:sldMkLst>
-          <pc:docMk/>
-          <pc:sldMk cId="3044230651" sldId="443"/>
-        </pc:sldMkLst>
-      </pc:sldChg>
-      <pc:sldChg chg="del">
-        <pc:chgData name="Anatoliy Kigel" userId="7432c6c4687b0a9c" providerId="LiveId" clId="{8F1FDCB9-098F-4DE3-BE15-A662176DA672}" dt="2021-10-11T10:05:34.974" v="45" actId="47"/>
-        <pc:sldMkLst>
-          <pc:docMk/>
-          <pc:sldMk cId="1472899663" sldId="445"/>
-        </pc:sldMkLst>
-      </pc:sldChg>
-      <pc:sldChg chg="modSp mod">
-        <pc:chgData name="Anatoliy Kigel" userId="7432c6c4687b0a9c" providerId="LiveId" clId="{8F1FDCB9-098F-4DE3-BE15-A662176DA672}" dt="2021-10-12T08:51:31.842" v="132" actId="20577"/>
-        <pc:sldMkLst>
-          <pc:docMk/>
-          <pc:sldMk cId="899785685" sldId="474"/>
-        </pc:sldMkLst>
-        <pc:spChg chg="mod">
-          <ac:chgData name="Anatoliy Kigel" userId="7432c6c4687b0a9c" providerId="LiveId" clId="{8F1FDCB9-098F-4DE3-BE15-A662176DA672}" dt="2021-10-12T08:51:31.842" v="132" actId="20577"/>
-          <ac:spMkLst>
-            <pc:docMk/>
-            <pc:sldMk cId="899785685" sldId="474"/>
-            <ac:spMk id="5" creationId="{00000000-0000-0000-0000-000000000000}"/>
-          </ac:spMkLst>
-        </pc:spChg>
-      </pc:sldChg>
-      <pc:sldChg chg="addSp delSp mod">
-        <pc:chgData name="Anatoliy Kigel" userId="7432c6c4687b0a9c" providerId="LiveId" clId="{8F1FDCB9-098F-4DE3-BE15-A662176DA672}" dt="2021-10-12T08:41:18.868" v="92" actId="22"/>
-        <pc:sldMkLst>
-          <pc:docMk/>
-          <pc:sldMk cId="316371881" sldId="476"/>
-        </pc:sldMkLst>
-        <pc:picChg chg="add del">
-          <ac:chgData name="Anatoliy Kigel" userId="7432c6c4687b0a9c" providerId="LiveId" clId="{8F1FDCB9-098F-4DE3-BE15-A662176DA672}" dt="2021-10-12T08:41:18.868" v="92" actId="22"/>
-          <ac:picMkLst>
-            <pc:docMk/>
-            <pc:sldMk cId="316371881" sldId="476"/>
-            <ac:picMk id="4" creationId="{8C66BA34-BFA7-43CB-9480-8D3994509325}"/>
-          </ac:picMkLst>
-        </pc:picChg>
-      </pc:sldChg>
-      <pc:sldChg chg="modSp mod">
-        <pc:chgData name="Anatoliy Kigel" userId="7432c6c4687b0a9c" providerId="LiveId" clId="{8F1FDCB9-098F-4DE3-BE15-A662176DA672}" dt="2021-10-11T10:02:36.080" v="23" actId="20577"/>
-        <pc:sldMkLst>
-          <pc:docMk/>
-          <pc:sldMk cId="2229591171" sldId="496"/>
-        </pc:sldMkLst>
-        <pc:spChg chg="mod">
-          <ac:chgData name="Anatoliy Kigel" userId="7432c6c4687b0a9c" providerId="LiveId" clId="{8F1FDCB9-098F-4DE3-BE15-A662176DA672}" dt="2021-10-11T10:02:36.080" v="23" actId="20577"/>
-          <ac:spMkLst>
-            <pc:docMk/>
-            <pc:sldMk cId="2229591171" sldId="496"/>
-            <ac:spMk id="9" creationId="{00000000-0000-0000-0000-000000000000}"/>
-          </ac:spMkLst>
-        </pc:spChg>
-      </pc:sldChg>
-      <pc:sldChg chg="modSp mod">
-        <pc:chgData name="Anatoliy Kigel" userId="7432c6c4687b0a9c" providerId="LiveId" clId="{8F1FDCB9-098F-4DE3-BE15-A662176DA672}" dt="2021-10-12T08:51:25.590" v="130" actId="20577"/>
-        <pc:sldMkLst>
-          <pc:docMk/>
-          <pc:sldMk cId="2495425632" sldId="498"/>
-        </pc:sldMkLst>
-        <pc:spChg chg="mod">
-          <ac:chgData name="Anatoliy Kigel" userId="7432c6c4687b0a9c" providerId="LiveId" clId="{8F1FDCB9-098F-4DE3-BE15-A662176DA672}" dt="2021-10-12T08:51:25.590" v="130" actId="20577"/>
-          <ac:spMkLst>
-            <pc:docMk/>
-            <pc:sldMk cId="2495425632" sldId="498"/>
-            <ac:spMk id="5" creationId="{00000000-0000-0000-0000-000000000000}"/>
-          </ac:spMkLst>
-        </pc:spChg>
-      </pc:sldChg>
-      <pc:sldChg chg="add del">
-        <pc:chgData name="Anatoliy Kigel" userId="7432c6c4687b0a9c" providerId="LiveId" clId="{8F1FDCB9-098F-4DE3-BE15-A662176DA672}" dt="2021-10-11T10:03:13.247" v="26" actId="2696"/>
-        <pc:sldMkLst>
-          <pc:docMk/>
-          <pc:sldMk cId="223048596" sldId="503"/>
-        </pc:sldMkLst>
-      </pc:sldChg>
-      <pc:sldChg chg="add">
-        <pc:chgData name="Anatoliy Kigel" userId="7432c6c4687b0a9c" providerId="LiveId" clId="{8F1FDCB9-098F-4DE3-BE15-A662176DA672}" dt="2021-10-11T10:03:17.187" v="27"/>
-        <pc:sldMkLst>
-          <pc:docMk/>
-          <pc:sldMk cId="1320399867" sldId="503"/>
-        </pc:sldMkLst>
-      </pc:sldChg>
-      <pc:sldChg chg="add del">
-        <pc:chgData name="Anatoliy Kigel" userId="7432c6c4687b0a9c" providerId="LiveId" clId="{8F1FDCB9-098F-4DE3-BE15-A662176DA672}" dt="2021-10-11T10:03:13.247" v="26" actId="2696"/>
-        <pc:sldMkLst>
-          <pc:docMk/>
-          <pc:sldMk cId="202286017" sldId="504"/>
-        </pc:sldMkLst>
-      </pc:sldChg>
-      <pc:sldChg chg="add">
-        <pc:chgData name="Anatoliy Kigel" userId="7432c6c4687b0a9c" providerId="LiveId" clId="{8F1FDCB9-098F-4DE3-BE15-A662176DA672}" dt="2021-10-11T10:03:17.187" v="27"/>
-        <pc:sldMkLst>
-          <pc:docMk/>
-          <pc:sldMk cId="4143157552" sldId="504"/>
-        </pc:sldMkLst>
-      </pc:sldChg>
-      <pc:sldChg chg="add del">
-        <pc:chgData name="Anatoliy Kigel" userId="7432c6c4687b0a9c" providerId="LiveId" clId="{8F1FDCB9-098F-4DE3-BE15-A662176DA672}" dt="2021-10-11T10:03:13.247" v="26" actId="2696"/>
-        <pc:sldMkLst>
-          <pc:docMk/>
-          <pc:sldMk cId="1381425848" sldId="505"/>
-        </pc:sldMkLst>
-      </pc:sldChg>
-      <pc:sldChg chg="add">
-        <pc:chgData name="Anatoliy Kigel" userId="7432c6c4687b0a9c" providerId="LiveId" clId="{8F1FDCB9-098F-4DE3-BE15-A662176DA672}" dt="2021-10-11T10:03:17.187" v="27"/>
-        <pc:sldMkLst>
-          <pc:docMk/>
-          <pc:sldMk cId="2257415676" sldId="505"/>
-        </pc:sldMkLst>
-      </pc:sldChg>
-      <pc:sldChg chg="add del">
-        <pc:chgData name="Anatoliy Kigel" userId="7432c6c4687b0a9c" providerId="LiveId" clId="{8F1FDCB9-098F-4DE3-BE15-A662176DA672}" dt="2021-10-20T13:39:43.338" v="198" actId="47"/>
-        <pc:sldMkLst>
-          <pc:docMk/>
-          <pc:sldMk cId="1262371164" sldId="506"/>
-        </pc:sldMkLst>
-      </pc:sldChg>
-      <pc:sldChg chg="del">
-        <pc:chgData name="Anatoliy Kigel" userId="7432c6c4687b0a9c" providerId="LiveId" clId="{8F1FDCB9-098F-4DE3-BE15-A662176DA672}" dt="2021-10-11T10:03:13.247" v="26" actId="2696"/>
-        <pc:sldMkLst>
-          <pc:docMk/>
-          <pc:sldMk cId="3509013144" sldId="506"/>
-        </pc:sldMkLst>
-      </pc:sldChg>
-      <pc:sldChg chg="add del">
-        <pc:chgData name="Anatoliy Kigel" userId="7432c6c4687b0a9c" providerId="LiveId" clId="{8F1FDCB9-098F-4DE3-BE15-A662176DA672}" dt="2021-10-20T13:39:43.338" v="198" actId="47"/>
-        <pc:sldMkLst>
-          <pc:docMk/>
-          <pc:sldMk cId="1510695199" sldId="507"/>
-        </pc:sldMkLst>
-      </pc:sldChg>
-      <pc:sldChg chg="del">
-        <pc:chgData name="Anatoliy Kigel" userId="7432c6c4687b0a9c" providerId="LiveId" clId="{8F1FDCB9-098F-4DE3-BE15-A662176DA672}" dt="2021-10-11T10:03:13.247" v="26" actId="2696"/>
-        <pc:sldMkLst>
-          <pc:docMk/>
-          <pc:sldMk cId="1667631082" sldId="507"/>
-        </pc:sldMkLst>
-      </pc:sldChg>
-      <pc:sldChg chg="modSp mod">
-        <pc:chgData name="Anatoliy Kigel" userId="7432c6c4687b0a9c" providerId="LiveId" clId="{8F1FDCB9-098F-4DE3-BE15-A662176DA672}" dt="2021-10-12T08:51:29.019" v="131" actId="20577"/>
-        <pc:sldMkLst>
-          <pc:docMk/>
-          <pc:sldMk cId="114327094" sldId="513"/>
-        </pc:sldMkLst>
-        <pc:spChg chg="mod">
-          <ac:chgData name="Anatoliy Kigel" userId="7432c6c4687b0a9c" providerId="LiveId" clId="{8F1FDCB9-098F-4DE3-BE15-A662176DA672}" dt="2021-10-12T08:51:29.019" v="131" actId="20577"/>
-          <ac:spMkLst>
-            <pc:docMk/>
-            <pc:sldMk cId="114327094" sldId="513"/>
-            <ac:spMk id="5" creationId="{00000000-0000-0000-0000-000000000000}"/>
-          </ac:spMkLst>
-        </pc:spChg>
-      </pc:sldChg>
-      <pc:sldChg chg="del">
-        <pc:chgData name="Anatoliy Kigel" userId="7432c6c4687b0a9c" providerId="LiveId" clId="{8F1FDCB9-098F-4DE3-BE15-A662176DA672}" dt="2021-10-12T08:48:54.877" v="98" actId="47"/>
-        <pc:sldMkLst>
-          <pc:docMk/>
-          <pc:sldMk cId="388518476" sldId="523"/>
-        </pc:sldMkLst>
-      </pc:sldChg>
-      <pc:sldChg chg="del">
-        <pc:chgData name="Anatoliy Kigel" userId="7432c6c4687b0a9c" providerId="LiveId" clId="{8F1FDCB9-098F-4DE3-BE15-A662176DA672}" dt="2021-10-12T08:48:54.877" v="98" actId="47"/>
-        <pc:sldMkLst>
-          <pc:docMk/>
-          <pc:sldMk cId="3111026985" sldId="524"/>
-        </pc:sldMkLst>
-      </pc:sldChg>
-      <pc:sldChg chg="delSp modSp mod ord">
-        <pc:chgData name="Anatoliy Kigel" userId="7432c6c4687b0a9c" providerId="LiveId" clId="{8F1FDCB9-098F-4DE3-BE15-A662176DA672}" dt="2021-10-12T08:53:24.116" v="197" actId="1035"/>
-        <pc:sldMkLst>
-          <pc:docMk/>
-          <pc:sldMk cId="4023351221" sldId="527"/>
-        </pc:sldMkLst>
-        <pc:spChg chg="mod">
-          <ac:chgData name="Anatoliy Kigel" userId="7432c6c4687b0a9c" providerId="LiveId" clId="{8F1FDCB9-098F-4DE3-BE15-A662176DA672}" dt="2021-10-12T08:53:24.116" v="197" actId="1035"/>
-          <ac:spMkLst>
-            <pc:docMk/>
-            <pc:sldMk cId="4023351221" sldId="527"/>
-            <ac:spMk id="3" creationId="{00000000-0000-0000-0000-000000000000}"/>
-          </ac:spMkLst>
-        </pc:spChg>
-        <pc:spChg chg="del">
-          <ac:chgData name="Anatoliy Kigel" userId="7432c6c4687b0a9c" providerId="LiveId" clId="{8F1FDCB9-098F-4DE3-BE15-A662176DA672}" dt="2021-10-12T08:36:59.115" v="74" actId="478"/>
-          <ac:spMkLst>
-            <pc:docMk/>
-            <pc:sldMk cId="4023351221" sldId="527"/>
-            <ac:spMk id="7" creationId="{00000000-0000-0000-0000-000000000000}"/>
-          </ac:spMkLst>
-        </pc:spChg>
-        <pc:spChg chg="mod">
-          <ac:chgData name="Anatoliy Kigel" userId="7432c6c4687b0a9c" providerId="LiveId" clId="{8F1FDCB9-098F-4DE3-BE15-A662176DA672}" dt="2021-10-12T08:37:35.927" v="87" actId="1076"/>
-          <ac:spMkLst>
-            <pc:docMk/>
-            <pc:sldMk cId="4023351221" sldId="527"/>
-            <ac:spMk id="8" creationId="{00000000-0000-0000-0000-000000000000}"/>
-          </ac:spMkLst>
-        </pc:spChg>
-        <pc:spChg chg="mod">
-          <ac:chgData name="Anatoliy Kigel" userId="7432c6c4687b0a9c" providerId="LiveId" clId="{8F1FDCB9-098F-4DE3-BE15-A662176DA672}" dt="2021-10-12T08:53:16.066" v="193" actId="1035"/>
-          <ac:spMkLst>
-            <pc:docMk/>
-            <pc:sldMk cId="4023351221" sldId="527"/>
-            <ac:spMk id="27" creationId="{00000000-0000-0000-0000-000000000000}"/>
-          </ac:spMkLst>
-        </pc:spChg>
-        <pc:picChg chg="mod">
-          <ac:chgData name="Anatoliy Kigel" userId="7432c6c4687b0a9c" providerId="LiveId" clId="{8F1FDCB9-098F-4DE3-BE15-A662176DA672}" dt="2021-10-12T08:37:33.681" v="86" actId="1076"/>
-          <ac:picMkLst>
-            <pc:docMk/>
-            <pc:sldMk cId="4023351221" sldId="527"/>
-            <ac:picMk id="2050" creationId="{00000000-0000-0000-0000-000000000000}"/>
-          </ac:picMkLst>
-        </pc:picChg>
-      </pc:sldChg>
-      <pc:sldChg chg="modSp del mod">
-        <pc:chgData name="Anatoliy Kigel" userId="7432c6c4687b0a9c" providerId="LiveId" clId="{8F1FDCB9-098F-4DE3-BE15-A662176DA672}" dt="2021-10-12T08:41:55.429" v="96" actId="47"/>
-        <pc:sldMkLst>
-          <pc:docMk/>
-          <pc:sldMk cId="1506378298" sldId="528"/>
-        </pc:sldMkLst>
-        <pc:spChg chg="mod">
-          <ac:chgData name="Anatoliy Kigel" userId="7432c6c4687b0a9c" providerId="LiveId" clId="{8F1FDCB9-098F-4DE3-BE15-A662176DA672}" dt="2021-10-11T10:05:56.277" v="46" actId="20577"/>
-          <ac:spMkLst>
-            <pc:docMk/>
-            <pc:sldMk cId="1506378298" sldId="528"/>
-            <ac:spMk id="3" creationId="{00000000-0000-0000-0000-000000000000}"/>
-          </ac:spMkLst>
-        </pc:spChg>
-      </pc:sldChg>
-      <pc:sldChg chg="modSp add mod">
-        <pc:chgData name="Anatoliy Kigel" userId="7432c6c4687b0a9c" providerId="LiveId" clId="{8F1FDCB9-098F-4DE3-BE15-A662176DA672}" dt="2021-10-11T10:03:21.002" v="28" actId="20577"/>
-        <pc:sldMkLst>
-          <pc:docMk/>
-          <pc:sldMk cId="508589481" sldId="530"/>
-        </pc:sldMkLst>
-        <pc:spChg chg="mod">
-          <ac:chgData name="Anatoliy Kigel" userId="7432c6c4687b0a9c" providerId="LiveId" clId="{8F1FDCB9-098F-4DE3-BE15-A662176DA672}" dt="2021-10-11T10:03:21.002" v="28" actId="20577"/>
-          <ac:spMkLst>
-            <pc:docMk/>
-            <pc:sldMk cId="508589481" sldId="530"/>
-            <ac:spMk id="5" creationId="{00000000-0000-0000-0000-000000000000}"/>
-          </ac:spMkLst>
-        </pc:spChg>
-      </pc:sldChg>
-      <pc:sldChg chg="del">
-        <pc:chgData name="Anatoliy Kigel" userId="7432c6c4687b0a9c" providerId="LiveId" clId="{8F1FDCB9-098F-4DE3-BE15-A662176DA672}" dt="2021-10-11T10:03:13.247" v="26" actId="2696"/>
-        <pc:sldMkLst>
-          <pc:docMk/>
-          <pc:sldMk cId="665538273" sldId="530"/>
-        </pc:sldMkLst>
-      </pc:sldChg>
-      <pc:sldChg chg="delSp modSp add mod">
-        <pc:chgData name="Anatoliy Kigel" userId="7432c6c4687b0a9c" providerId="LiveId" clId="{8F1FDCB9-098F-4DE3-BE15-A662176DA672}" dt="2021-10-12T08:51:50.682" v="146" actId="1036"/>
-        <pc:sldMkLst>
-          <pc:docMk/>
-          <pc:sldMk cId="1460045381" sldId="559"/>
-        </pc:sldMkLst>
-        <pc:spChg chg="mod">
-          <ac:chgData name="Anatoliy Kigel" userId="7432c6c4687b0a9c" providerId="LiveId" clId="{8F1FDCB9-098F-4DE3-BE15-A662176DA672}" dt="2021-10-12T08:51:48.477" v="143" actId="1036"/>
-          <ac:spMkLst>
-            <pc:docMk/>
-            <pc:sldMk cId="1460045381" sldId="559"/>
-            <ac:spMk id="3" creationId="{00000000-0000-0000-0000-000000000000}"/>
-          </ac:spMkLst>
-        </pc:spChg>
-        <pc:spChg chg="del mod">
-          <ac:chgData name="Anatoliy Kigel" userId="7432c6c4687b0a9c" providerId="LiveId" clId="{8F1FDCB9-098F-4DE3-BE15-A662176DA672}" dt="2021-10-12T08:49:05.407" v="128"/>
-          <ac:spMkLst>
-            <pc:docMk/>
-            <pc:sldMk cId="1460045381" sldId="559"/>
-            <ac:spMk id="4" creationId="{00000000-0000-0000-0000-000000000000}"/>
-          </ac:spMkLst>
-        </pc:spChg>
-        <pc:spChg chg="mod">
-          <ac:chgData name="Anatoliy Kigel" userId="7432c6c4687b0a9c" providerId="LiveId" clId="{8F1FDCB9-098F-4DE3-BE15-A662176DA672}" dt="2021-10-12T08:51:50.682" v="146" actId="1036"/>
-          <ac:spMkLst>
-            <pc:docMk/>
-            <pc:sldMk cId="1460045381" sldId="559"/>
-            <ac:spMk id="5" creationId="{00000000-0000-0000-0000-000000000000}"/>
-          </ac:spMkLst>
-        </pc:spChg>
-      </pc:sldChg>
-      <pc:sldChg chg="add">
-        <pc:chgData name="Anatoliy Kigel" userId="7432c6c4687b0a9c" providerId="LiveId" clId="{8F1FDCB9-098F-4DE3-BE15-A662176DA672}" dt="2021-10-12T08:48:52.744" v="97"/>
-        <pc:sldMkLst>
-          <pc:docMk/>
-          <pc:sldMk cId="81633327" sldId="564"/>
-        </pc:sldMkLst>
       </pc:sldChg>
     </pc:docChg>
   </pc:docChgLst>
@@ -2066,6 +2058,83 @@
             <pc:docMk/>
             <pc:sldMk cId="665538273" sldId="530"/>
             <ac:spMk id="5" creationId="{00000000-0000-0000-0000-000000000000}"/>
+          </ac:spMkLst>
+        </pc:spChg>
+      </pc:sldChg>
+    </pc:docChg>
+  </pc:docChgLst>
+  <pc:docChgLst>
+    <pc:chgData name="Anatoliy Kigel" userId="7432c6c4687b0a9c" providerId="LiveId" clId="{4DB424D7-841E-415E-ADA1-AC2EF07CF2C5}"/>
+    <pc:docChg chg="custSel modSld">
+      <pc:chgData name="Anatoliy Kigel" userId="7432c6c4687b0a9c" providerId="LiveId" clId="{4DB424D7-841E-415E-ADA1-AC2EF07CF2C5}" dt="2023-05-31T10:38:22.926" v="11" actId="478"/>
+      <pc:docMkLst>
+        <pc:docMk/>
+      </pc:docMkLst>
+      <pc:sldChg chg="delSp mod">
+        <pc:chgData name="Anatoliy Kigel" userId="7432c6c4687b0a9c" providerId="LiveId" clId="{4DB424D7-841E-415E-ADA1-AC2EF07CF2C5}" dt="2023-05-31T10:38:15.132" v="9" actId="478"/>
+        <pc:sldMkLst>
+          <pc:docMk/>
+          <pc:sldMk cId="3863989030" sldId="424"/>
+        </pc:sldMkLst>
+        <pc:spChg chg="del">
+          <ac:chgData name="Anatoliy Kigel" userId="7432c6c4687b0a9c" providerId="LiveId" clId="{4DB424D7-841E-415E-ADA1-AC2EF07CF2C5}" dt="2023-05-31T10:38:15.132" v="9" actId="478"/>
+          <ac:spMkLst>
+            <pc:docMk/>
+            <pc:sldMk cId="3863989030" sldId="424"/>
+            <ac:spMk id="11" creationId="{00000000-0000-0000-0000-000000000000}"/>
+          </ac:spMkLst>
+        </pc:spChg>
+      </pc:sldChg>
+      <pc:sldChg chg="delSp mod">
+        <pc:chgData name="Anatoliy Kigel" userId="7432c6c4687b0a9c" providerId="LiveId" clId="{4DB424D7-841E-415E-ADA1-AC2EF07CF2C5}" dt="2023-05-31T10:38:22.926" v="11" actId="478"/>
+        <pc:sldMkLst>
+          <pc:docMk/>
+          <pc:sldMk cId="2765944910" sldId="475"/>
+        </pc:sldMkLst>
+        <pc:spChg chg="del">
+          <ac:chgData name="Anatoliy Kigel" userId="7432c6c4687b0a9c" providerId="LiveId" clId="{4DB424D7-841E-415E-ADA1-AC2EF07CF2C5}" dt="2023-05-31T10:38:22.926" v="11" actId="478"/>
+          <ac:spMkLst>
+            <pc:docMk/>
+            <pc:sldMk cId="2765944910" sldId="475"/>
+            <ac:spMk id="8" creationId="{00000000-0000-0000-0000-000000000000}"/>
+          </ac:spMkLst>
+        </pc:spChg>
+      </pc:sldChg>
+      <pc:sldChg chg="delSp modSp mod">
+        <pc:chgData name="Anatoliy Kigel" userId="7432c6c4687b0a9c" providerId="LiveId" clId="{4DB424D7-841E-415E-ADA1-AC2EF07CF2C5}" dt="2023-05-31T10:38:10.988" v="8" actId="1036"/>
+        <pc:sldMkLst>
+          <pc:docMk/>
+          <pc:sldMk cId="1473843389" sldId="514"/>
+        </pc:sldMkLst>
+        <pc:spChg chg="del">
+          <ac:chgData name="Anatoliy Kigel" userId="7432c6c4687b0a9c" providerId="LiveId" clId="{4DB424D7-841E-415E-ADA1-AC2EF07CF2C5}" dt="2023-05-31T10:38:08.446" v="0" actId="478"/>
+          <ac:spMkLst>
+            <pc:docMk/>
+            <pc:sldMk cId="1473843389" sldId="514"/>
+            <ac:spMk id="6" creationId="{00000000-0000-0000-0000-000000000000}"/>
+          </ac:spMkLst>
+        </pc:spChg>
+        <pc:spChg chg="mod">
+          <ac:chgData name="Anatoliy Kigel" userId="7432c6c4687b0a9c" providerId="LiveId" clId="{4DB424D7-841E-415E-ADA1-AC2EF07CF2C5}" dt="2023-05-31T10:38:10.988" v="8" actId="1036"/>
+          <ac:spMkLst>
+            <pc:docMk/>
+            <pc:sldMk cId="1473843389" sldId="514"/>
+            <ac:spMk id="26" creationId="{00000000-0000-0000-0000-000000000000}"/>
+          </ac:spMkLst>
+        </pc:spChg>
+      </pc:sldChg>
+      <pc:sldChg chg="delSp mod">
+        <pc:chgData name="Anatoliy Kigel" userId="7432c6c4687b0a9c" providerId="LiveId" clId="{4DB424D7-841E-415E-ADA1-AC2EF07CF2C5}" dt="2023-05-31T10:38:17.790" v="10" actId="478"/>
+        <pc:sldMkLst>
+          <pc:docMk/>
+          <pc:sldMk cId="600371874" sldId="566"/>
+        </pc:sldMkLst>
+        <pc:spChg chg="del">
+          <ac:chgData name="Anatoliy Kigel" userId="7432c6c4687b0a9c" providerId="LiveId" clId="{4DB424D7-841E-415E-ADA1-AC2EF07CF2C5}" dt="2023-05-31T10:38:17.790" v="10" actId="478"/>
+          <ac:spMkLst>
+            <pc:docMk/>
+            <pc:sldMk cId="600371874" sldId="566"/>
+            <ac:spMk id="11" creationId="{00000000-0000-0000-0000-000000000000}"/>
           </ac:spMkLst>
         </pc:spChg>
       </pc:sldChg>
@@ -2379,7 +2448,7 @@
             <a:fld id="{85522811-C5C6-42D2-A409-F8556720C93F}" type="datetimeFigureOut">
               <a:rPr lang="uk-UA" smtClean="0"/>
               <a:pPr/>
-              <a:t>28.05.2023</a:t>
+              <a:t>31.05.2023</a:t>
             </a:fld>
             <a:endParaRPr lang="uk-UA"/>
           </a:p>
@@ -2919,7 +2988,7 @@
             <a:fld id="{E6FC6B0D-6115-4D7C-8040-9C8E2349BB6E}" type="datetime1">
               <a:rPr lang="uk-UA" smtClean="0"/>
               <a:pPr/>
-              <a:t>28.05.2023</a:t>
+              <a:t>31.05.2023</a:t>
             </a:fld>
             <a:endParaRPr lang="uk-UA"/>
           </a:p>
@@ -3086,7 +3155,7 @@
             <a:fld id="{996367BA-0A39-4DE2-BFC3-D5290044365E}" type="datetime1">
               <a:rPr lang="uk-UA" smtClean="0"/>
               <a:pPr/>
-              <a:t>28.05.2023</a:t>
+              <a:t>31.05.2023</a:t>
             </a:fld>
             <a:endParaRPr lang="uk-UA"/>
           </a:p>
@@ -3263,7 +3332,7 @@
             <a:fld id="{1BD6A67F-6C29-47DC-AF8A-FDB3C787DF70}" type="datetime1">
               <a:rPr lang="uk-UA" smtClean="0"/>
               <a:pPr/>
-              <a:t>28.05.2023</a:t>
+              <a:t>31.05.2023</a:t>
             </a:fld>
             <a:endParaRPr lang="uk-UA"/>
           </a:p>
@@ -3430,7 +3499,7 @@
             <a:fld id="{1657D9C5-7FF1-434F-B56E-9BAD559744E9}" type="datetime1">
               <a:rPr lang="uk-UA" smtClean="0"/>
               <a:pPr/>
-              <a:t>28.05.2023</a:t>
+              <a:t>31.05.2023</a:t>
             </a:fld>
             <a:endParaRPr lang="uk-UA"/>
           </a:p>
@@ -3673,7 +3742,7 @@
             <a:fld id="{2CEB0FC9-DE63-476B-A1A9-BE934D9049F8}" type="datetime1">
               <a:rPr lang="uk-UA" smtClean="0"/>
               <a:pPr/>
-              <a:t>28.05.2023</a:t>
+              <a:t>31.05.2023</a:t>
             </a:fld>
             <a:endParaRPr lang="uk-UA"/>
           </a:p>
@@ -3958,7 +4027,7 @@
             <a:fld id="{F964460F-86E2-4DF6-9D0F-12F5005CF375}" type="datetime1">
               <a:rPr lang="uk-UA" smtClean="0"/>
               <a:pPr/>
-              <a:t>28.05.2023</a:t>
+              <a:t>31.05.2023</a:t>
             </a:fld>
             <a:endParaRPr lang="uk-UA"/>
           </a:p>
@@ -4377,7 +4446,7 @@
             <a:fld id="{C521715E-DDCD-4267-B0A5-2918B6F6768A}" type="datetime1">
               <a:rPr lang="uk-UA" smtClean="0"/>
               <a:pPr/>
-              <a:t>28.05.2023</a:t>
+              <a:t>31.05.2023</a:t>
             </a:fld>
             <a:endParaRPr lang="uk-UA"/>
           </a:p>
@@ -4492,7 +4561,7 @@
             <a:fld id="{9289842C-EB2D-4EBB-A272-2F6A49D9794D}" type="datetime1">
               <a:rPr lang="uk-UA" smtClean="0"/>
               <a:pPr/>
-              <a:t>28.05.2023</a:t>
+              <a:t>31.05.2023</a:t>
             </a:fld>
             <a:endParaRPr lang="uk-UA"/>
           </a:p>
@@ -4584,7 +4653,7 @@
             <a:fld id="{D036F091-B700-4B52-99AC-85D0FD94D904}" type="datetime1">
               <a:rPr lang="uk-UA" smtClean="0"/>
               <a:pPr/>
-              <a:t>28.05.2023</a:t>
+              <a:t>31.05.2023</a:t>
             </a:fld>
             <a:endParaRPr lang="uk-UA"/>
           </a:p>
@@ -4858,7 +4927,7 @@
             <a:fld id="{B35DFABA-3811-4634-B803-2EAC4CD0063B}" type="datetime1">
               <a:rPr lang="uk-UA" smtClean="0"/>
               <a:pPr/>
-              <a:t>28.05.2023</a:t>
+              <a:t>31.05.2023</a:t>
             </a:fld>
             <a:endParaRPr lang="uk-UA"/>
           </a:p>
@@ -5108,7 +5177,7 @@
             <a:fld id="{8A9EA25E-F88E-463A-A119-D1E55A881002}" type="datetime1">
               <a:rPr lang="uk-UA" smtClean="0"/>
               <a:pPr/>
-              <a:t>28.05.2023</a:t>
+              <a:t>31.05.2023</a:t>
             </a:fld>
             <a:endParaRPr lang="uk-UA"/>
           </a:p>
@@ -5318,7 +5387,7 @@
             <a:fld id="{E708ED03-0080-49A2-B709-7DA4ACB3A1C3}" type="datetime1">
               <a:rPr lang="uk-UA" smtClean="0"/>
               <a:pPr/>
-              <a:t>28.05.2023</a:t>
+              <a:t>31.05.2023</a:t>
             </a:fld>
             <a:endParaRPr lang="uk-UA"/>
           </a:p>
@@ -6067,47 +6136,6 @@
           </a:p>
         </p:txBody>
       </p:sp>
-      <p:sp>
-        <p:nvSpPr>
-          <p:cNvPr id="11" name="TextBox 10"/>
-          <p:cNvSpPr txBox="1"/>
-          <p:nvPr/>
-        </p:nvSpPr>
-        <p:spPr>
-          <a:xfrm>
-            <a:off x="0" y="6165304"/>
-            <a:ext cx="12192000" cy="461665"/>
-          </a:xfrm>
-          <a:prstGeom prst="rect">
-            <a:avLst/>
-          </a:prstGeom>
-          <a:noFill/>
-        </p:spPr>
-        <p:txBody>
-          <a:bodyPr wrap="square" rtlCol="0">
-            <a:spAutoFit/>
-          </a:bodyPr>
-          <a:lstStyle/>
-          <a:p>
-            <a:pPr algn="ctr"/>
-            <a:r>
-              <a:rPr lang="ru-RU" sz="2400" b="1" dirty="0"/>
-              <a:t>Подробнее:</a:t>
-            </a:r>
-            <a:r>
-              <a:rPr lang="en-US" sz="2400" b="1" dirty="0"/>
-              <a:t> </a:t>
-            </a:r>
-            <a:r>
-              <a:rPr lang="en-US" sz="2400" b="1" dirty="0">
-                <a:hlinkClick r:id="rId2"/>
-              </a:rPr>
-              <a:t>https://learn.javascript.ru/set-map</a:t>
-            </a:r>
-            <a:endParaRPr lang="ru-RU" sz="2400" b="1" dirty="0"/>
-          </a:p>
-        </p:txBody>
-      </p:sp>
       <p:pic>
         <p:nvPicPr>
           <p:cNvPr id="3" name="Рисунок 2"/>
@@ -6117,7 +6145,7 @@
           <p:nvPr/>
         </p:nvPicPr>
         <p:blipFill>
-          <a:blip r:embed="rId3"/>
+          <a:blip r:embed="rId2"/>
           <a:stretch>
             <a:fillRect/>
           </a:stretch>
@@ -6328,47 +6356,6 @@
           </a:p>
         </p:txBody>
       </p:sp>
-      <p:sp>
-        <p:nvSpPr>
-          <p:cNvPr id="11" name="TextBox 10"/>
-          <p:cNvSpPr txBox="1"/>
-          <p:nvPr/>
-        </p:nvSpPr>
-        <p:spPr>
-          <a:xfrm>
-            <a:off x="0" y="6165304"/>
-            <a:ext cx="12192000" cy="461665"/>
-          </a:xfrm>
-          <a:prstGeom prst="rect">
-            <a:avLst/>
-          </a:prstGeom>
-          <a:noFill/>
-        </p:spPr>
-        <p:txBody>
-          <a:bodyPr wrap="square" rtlCol="0">
-            <a:spAutoFit/>
-          </a:bodyPr>
-          <a:lstStyle/>
-          <a:p>
-            <a:pPr algn="ctr"/>
-            <a:r>
-              <a:rPr lang="ru-RU" sz="2400" b="1" dirty="0"/>
-              <a:t>Подробнее:</a:t>
-            </a:r>
-            <a:r>
-              <a:rPr lang="en-US" sz="2400" b="1" dirty="0"/>
-              <a:t> </a:t>
-            </a:r>
-            <a:r>
-              <a:rPr lang="en-US" sz="2400" b="1" dirty="0">
-                <a:hlinkClick r:id="rId2"/>
-              </a:rPr>
-              <a:t>https://learn.javascript.ru/set-map</a:t>
-            </a:r>
-            <a:endParaRPr lang="ru-RU" sz="2400" b="1" dirty="0"/>
-          </a:p>
-        </p:txBody>
-      </p:sp>
       <p:pic>
         <p:nvPicPr>
           <p:cNvPr id="2" name="Рисунок 1"/>
@@ -6378,7 +6365,7 @@
           <p:nvPr/>
         </p:nvPicPr>
         <p:blipFill>
-          <a:blip r:embed="rId3"/>
+          <a:blip r:embed="rId2"/>
           <a:stretch>
             <a:fillRect/>
           </a:stretch>
@@ -6755,43 +6742,6 @@
           </a:p>
         </p:txBody>
       </p:sp>
-      <p:sp>
-        <p:nvSpPr>
-          <p:cNvPr id="8" name="TextBox 7"/>
-          <p:cNvSpPr txBox="1"/>
-          <p:nvPr/>
-        </p:nvSpPr>
-        <p:spPr>
-          <a:xfrm>
-            <a:off x="0" y="6165304"/>
-            <a:ext cx="12191999" cy="369332"/>
-          </a:xfrm>
-          <a:prstGeom prst="rect">
-            <a:avLst/>
-          </a:prstGeom>
-          <a:noFill/>
-        </p:spPr>
-        <p:txBody>
-          <a:bodyPr wrap="square" rtlCol="0">
-            <a:spAutoFit/>
-          </a:bodyPr>
-          <a:lstStyle/>
-          <a:p>
-            <a:pPr algn="ctr"/>
-            <a:r>
-              <a:rPr lang="ru-RU" b="1" dirty="0"/>
-              <a:t>Подробнее: </a:t>
-            </a:r>
-            <a:r>
-              <a:rPr lang="en-US" b="1" dirty="0">
-                <a:hlinkClick r:id="rId2"/>
-              </a:rPr>
-              <a:t>https://habr.com/ru/post/169381/</a:t>
-            </a:r>
-            <a:endParaRPr lang="ru-RU" b="1" dirty="0"/>
-          </a:p>
-        </p:txBody>
-      </p:sp>
       <p:pic>
         <p:nvPicPr>
           <p:cNvPr id="2" name="Рисунок 1"/>
@@ -6801,7 +6751,7 @@
           <p:nvPr/>
         </p:nvPicPr>
         <p:blipFill>
-          <a:blip r:embed="rId3"/>
+          <a:blip r:embed="rId2"/>
           <a:stretch>
             <a:fillRect/>
           </a:stretch>
@@ -9408,7 +9358,7 @@
         </p:nvSpPr>
         <p:spPr>
           <a:xfrm>
-            <a:off x="1847526" y="2276872"/>
+            <a:off x="1847526" y="2807057"/>
             <a:ext cx="8748464" cy="2062103"/>
           </a:xfrm>
           <a:prstGeom prst="rect">
@@ -9470,42 +9420,6 @@
               <a:t>документом.</a:t>
             </a:r>
             <a:endParaRPr lang="ru-RU" sz="3200" b="1" dirty="0"/>
-          </a:p>
-        </p:txBody>
-      </p:sp>
-      <p:sp>
-        <p:nvSpPr>
-          <p:cNvPr id="6" name="TextBox 5"/>
-          <p:cNvSpPr txBox="1"/>
-          <p:nvPr/>
-        </p:nvSpPr>
-        <p:spPr>
-          <a:xfrm>
-            <a:off x="3300093" y="5517232"/>
-            <a:ext cx="5843331" cy="400110"/>
-          </a:xfrm>
-          <a:prstGeom prst="rect">
-            <a:avLst/>
-          </a:prstGeom>
-          <a:noFill/>
-        </p:spPr>
-        <p:txBody>
-          <a:bodyPr wrap="none" rtlCol="0">
-            <a:spAutoFit/>
-          </a:bodyPr>
-          <a:lstStyle/>
-          <a:p>
-            <a:r>
-              <a:rPr lang="ru-RU" sz="2000" b="1" dirty="0"/>
-              <a:t>Подробнее: </a:t>
-            </a:r>
-            <a:r>
-              <a:rPr lang="uk-UA" sz="2000" b="1" dirty="0">
-                <a:hlinkClick r:id="rId2"/>
-              </a:rPr>
-              <a:t>https://learn.javascript.ru/global-object</a:t>
-            </a:r>
-            <a:endParaRPr lang="uk-UA" sz="2000" b="1" dirty="0"/>
           </a:p>
         </p:txBody>
       </p:sp>
